--- a/Paper Notes/Decentralized TinyML.pptx
+++ b/Paper Notes/Decentralized TinyML.pptx
@@ -5,7 +5,7 @@
     <p:sldMasterId id="2147483648" r:id="rId1"/>
   </p:sldMasterIdLst>
   <p:notesMasterIdLst>
-    <p:notesMasterId r:id="rId42"/>
+    <p:notesMasterId r:id="rId47"/>
   </p:notesMasterIdLst>
   <p:sldIdLst>
     <p:sldId id="256" r:id="rId2"/>
@@ -45,9 +45,14 @@
     <p:sldId id="305" r:id="rId36"/>
     <p:sldId id="306" r:id="rId37"/>
     <p:sldId id="307" r:id="rId38"/>
-    <p:sldId id="308" r:id="rId39"/>
-    <p:sldId id="309" r:id="rId40"/>
-    <p:sldId id="310" r:id="rId41"/>
+    <p:sldId id="309" r:id="rId39"/>
+    <p:sldId id="310" r:id="rId40"/>
+    <p:sldId id="308" r:id="rId41"/>
+    <p:sldId id="311" r:id="rId42"/>
+    <p:sldId id="312" r:id="rId43"/>
+    <p:sldId id="313" r:id="rId44"/>
+    <p:sldId id="314" r:id="rId45"/>
+    <p:sldId id="315" r:id="rId46"/>
   </p:sldIdLst>
   <p:sldSz cx="12192000" cy="6858000"/>
   <p:notesSz cx="6858000" cy="9144000"/>
@@ -544,7 +549,7 @@
           <a:p>
             <a:fld id="{AAD3F962-2BBB-E94D-8C3E-BBFCC873C910}" type="datetimeFigureOut">
               <a:rPr lang="en-US" smtClean="0"/>
-              <a:t>5/25/2024</a:t>
+              <a:t>6/16/2024</a:t>
             </a:fld>
             <a:endParaRPr lang="en-US"/>
           </a:p>
@@ -3721,7 +3726,7 @@
           <a:p>
             <a:fld id="{378873E4-3B62-4C03-AC2E-F1BC5ACD71BB}" type="datetimeFigureOut">
               <a:rPr lang="en-US" smtClean="0"/>
-              <a:t>5/25/2024</a:t>
+              <a:t>6/16/2024</a:t>
             </a:fld>
             <a:endParaRPr lang="en-US"/>
           </a:p>
@@ -3919,7 +3924,7 @@
           <a:p>
             <a:fld id="{378873E4-3B62-4C03-AC2E-F1BC5ACD71BB}" type="datetimeFigureOut">
               <a:rPr lang="en-US" smtClean="0"/>
-              <a:t>5/25/2024</a:t>
+              <a:t>6/16/2024</a:t>
             </a:fld>
             <a:endParaRPr lang="en-US"/>
           </a:p>
@@ -4127,7 +4132,7 @@
           <a:p>
             <a:fld id="{378873E4-3B62-4C03-AC2E-F1BC5ACD71BB}" type="datetimeFigureOut">
               <a:rPr lang="en-US" smtClean="0"/>
-              <a:t>5/25/2024</a:t>
+              <a:t>6/16/2024</a:t>
             </a:fld>
             <a:endParaRPr lang="en-US"/>
           </a:p>
@@ -4325,7 +4330,7 @@
           <a:p>
             <a:fld id="{378873E4-3B62-4C03-AC2E-F1BC5ACD71BB}" type="datetimeFigureOut">
               <a:rPr lang="en-US" smtClean="0"/>
-              <a:t>5/25/2024</a:t>
+              <a:t>6/16/2024</a:t>
             </a:fld>
             <a:endParaRPr lang="en-US"/>
           </a:p>
@@ -4600,7 +4605,7 @@
           <a:p>
             <a:fld id="{378873E4-3B62-4C03-AC2E-F1BC5ACD71BB}" type="datetimeFigureOut">
               <a:rPr lang="en-US" smtClean="0"/>
-              <a:t>5/25/2024</a:t>
+              <a:t>6/16/2024</a:t>
             </a:fld>
             <a:endParaRPr lang="en-US"/>
           </a:p>
@@ -4865,7 +4870,7 @@
           <a:p>
             <a:fld id="{378873E4-3B62-4C03-AC2E-F1BC5ACD71BB}" type="datetimeFigureOut">
               <a:rPr lang="en-US" smtClean="0"/>
-              <a:t>5/25/2024</a:t>
+              <a:t>6/16/2024</a:t>
             </a:fld>
             <a:endParaRPr lang="en-US"/>
           </a:p>
@@ -5277,7 +5282,7 @@
           <a:p>
             <a:fld id="{378873E4-3B62-4C03-AC2E-F1BC5ACD71BB}" type="datetimeFigureOut">
               <a:rPr lang="en-US" smtClean="0"/>
-              <a:t>5/25/2024</a:t>
+              <a:t>6/16/2024</a:t>
             </a:fld>
             <a:endParaRPr lang="en-US"/>
           </a:p>
@@ -5418,7 +5423,7 @@
           <a:p>
             <a:fld id="{378873E4-3B62-4C03-AC2E-F1BC5ACD71BB}" type="datetimeFigureOut">
               <a:rPr lang="en-US" smtClean="0"/>
-              <a:t>5/25/2024</a:t>
+              <a:t>6/16/2024</a:t>
             </a:fld>
             <a:endParaRPr lang="en-US"/>
           </a:p>
@@ -5531,7 +5536,7 @@
           <a:p>
             <a:fld id="{378873E4-3B62-4C03-AC2E-F1BC5ACD71BB}" type="datetimeFigureOut">
               <a:rPr lang="en-US" smtClean="0"/>
-              <a:t>5/25/2024</a:t>
+              <a:t>6/16/2024</a:t>
             </a:fld>
             <a:endParaRPr lang="en-US"/>
           </a:p>
@@ -5842,7 +5847,7 @@
           <a:p>
             <a:fld id="{378873E4-3B62-4C03-AC2E-F1BC5ACD71BB}" type="datetimeFigureOut">
               <a:rPr lang="en-US" smtClean="0"/>
-              <a:t>5/25/2024</a:t>
+              <a:t>6/16/2024</a:t>
             </a:fld>
             <a:endParaRPr lang="en-US"/>
           </a:p>
@@ -6130,7 +6135,7 @@
           <a:p>
             <a:fld id="{378873E4-3B62-4C03-AC2E-F1BC5ACD71BB}" type="datetimeFigureOut">
               <a:rPr lang="en-US" smtClean="0"/>
-              <a:t>5/25/2024</a:t>
+              <a:t>6/16/2024</a:t>
             </a:fld>
             <a:endParaRPr lang="en-US"/>
           </a:p>
@@ -6371,7 +6376,7 @@
           <a:p>
             <a:fld id="{378873E4-3B62-4C03-AC2E-F1BC5ACD71BB}" type="datetimeFigureOut">
               <a:rPr lang="en-US" smtClean="0"/>
-              <a:t>5/25/2024</a:t>
+              <a:t>6/16/2024</a:t>
             </a:fld>
             <a:endParaRPr lang="en-US"/>
           </a:p>
@@ -14506,9 +14511,23 @@
           <a:p>
             <a:pPr lvl="1"/>
             <a:r>
-              <a:rPr lang="en-US"/>
+              <a:rPr lang="en-US" dirty="0"/>
               <a:t>Managed flooding</a:t>
             </a:r>
+          </a:p>
+          <a:p>
+            <a:pPr lvl="1"/>
+            <a:r>
+              <a:rPr lang="en-US" dirty="0"/>
+              <a:t>D</a:t>
+            </a:r>
+            <a:r>
+              <a:rPr lang="en-US" altLang="zh-CN" dirty="0"/>
+              <a:t>irect forwarding</a:t>
+            </a:r>
+          </a:p>
+          <a:p>
+            <a:pPr lvl="1"/>
             <a:endParaRPr lang="en-US" dirty="0"/>
           </a:p>
         </p:txBody>
@@ -14604,14 +14623,47 @@
           <a:bodyPr/>
           <a:lstStyle/>
           <a:p>
-            <a:endParaRPr lang="en-US" dirty="0"/>
+            <a:r>
+              <a:rPr lang="en-US" dirty="0"/>
+              <a:t>Provisioning: the process of adding a device to a BLE Mesh Network</a:t>
+            </a:r>
+          </a:p>
+          <a:p>
+            <a:r>
+              <a:rPr lang="en-US" dirty="0"/>
+              <a:t>Proxy Node: a node that acts as an interface between a BLE Mesh Network and non-mesh BLE devices.</a:t>
+            </a:r>
+          </a:p>
+          <a:p>
+            <a:r>
+              <a:rPr lang="en-US" dirty="0"/>
+              <a:t>Friend Node: a node that stores messages for low-power nodes.</a:t>
+            </a:r>
+          </a:p>
+          <a:p>
+            <a:r>
+              <a:rPr lang="en-US" dirty="0"/>
+              <a:t>Low Power Node(LPN): a node that saves power by frequently sleeping and relies on a friend node.</a:t>
+            </a:r>
+          </a:p>
+          <a:p>
+            <a:r>
+              <a:rPr lang="en-US" dirty="0"/>
+              <a:t>Element: a functional unit within a node that can send and receive messages</a:t>
+            </a:r>
+          </a:p>
+          <a:p>
+            <a:r>
+              <a:rPr lang="en-US" dirty="0"/>
+              <a:t>Publish/Subscribe: mechanism for nodes to send and receive messages</a:t>
+            </a:r>
           </a:p>
         </p:txBody>
       </p:sp>
     </p:spTree>
     <p:extLst>
       <p:ext uri="{BB962C8B-B14F-4D97-AF65-F5344CB8AC3E}">
-        <p14:creationId xmlns:p14="http://schemas.microsoft.com/office/powerpoint/2010/main" val="2245557690"/>
+        <p14:creationId xmlns:p14="http://schemas.microsoft.com/office/powerpoint/2010/main" val="3104166425"/>
       </p:ext>
     </p:extLst>
   </p:cSld>
@@ -14668,8 +14720,13 @@
           <a:p>
             <a:r>
               <a:rPr lang="en-US" dirty="0"/>
-              <a:t>BLE</a:t>
-            </a:r>
+              <a:t>BLE S</a:t>
+            </a:r>
+            <a:r>
+              <a:rPr lang="en-US" altLang="zh-CN" dirty="0"/>
+              <a:t>tack</a:t>
+            </a:r>
+            <a:endParaRPr lang="en-US" dirty="0"/>
           </a:p>
         </p:txBody>
       </p:sp>
@@ -14699,6 +14756,27 @@
           <a:bodyPr/>
           <a:lstStyle/>
           <a:p>
+            <a:r>
+              <a:rPr lang="en-US" dirty="0"/>
+              <a:t>Controller: this is the hardware part of the Bluetooth system, usually an integrated circuit or module that handles the radio frequency communication and basic operations</a:t>
+            </a:r>
+          </a:p>
+          <a:p>
+            <a:r>
+              <a:rPr lang="en-US" dirty="0"/>
+              <a:t>Host: this is the software part of the Bluetooth system running on the main processor. It implements higher-level protocols and profiles.</a:t>
+            </a:r>
+          </a:p>
+          <a:p>
+            <a:r>
+              <a:rPr lang="en-US" dirty="0"/>
+              <a:t>Host Controller Interface (HCI): this standard protocol allows communication between the Host and the Controller. It defines commands, events, and data packets.</a:t>
+            </a:r>
+          </a:p>
+          <a:p>
+            <a:endParaRPr lang="en-US" dirty="0"/>
+          </a:p>
+          <a:p>
             <a:endParaRPr lang="en-US" dirty="0"/>
           </a:p>
         </p:txBody>
@@ -14706,7 +14784,7 @@
     </p:spTree>
     <p:extLst>
       <p:ext uri="{BB962C8B-B14F-4D97-AF65-F5344CB8AC3E}">
-        <p14:creationId xmlns:p14="http://schemas.microsoft.com/office/powerpoint/2010/main" val="3104166425"/>
+        <p14:creationId xmlns:p14="http://schemas.microsoft.com/office/powerpoint/2010/main" val="3098407201"/>
       </p:ext>
     </p:extLst>
   </p:cSld>
@@ -14905,7 +14983,7 @@
           <a:p>
             <a:r>
               <a:rPr lang="en-US" dirty="0"/>
-              <a:t>BLE</a:t>
+              <a:t>Over-the-Air(OTA) updates</a:t>
             </a:r>
           </a:p>
         </p:txBody>
@@ -14936,6 +15014,33 @@
           <a:bodyPr/>
           <a:lstStyle/>
           <a:p>
+            <a:r>
+              <a:rPr lang="en-US" dirty="0"/>
+              <a:t>Prepare the Firmware Image</a:t>
+            </a:r>
+          </a:p>
+          <a:p>
+            <a:r>
+              <a:rPr lang="en-US" dirty="0"/>
+              <a:t>Setup the Initial Provisioner Node</a:t>
+            </a:r>
+          </a:p>
+          <a:p>
+            <a:r>
+              <a:rPr lang="en-US" dirty="0"/>
+              <a:t>Firmware Transfer Protocol: BLE Mesh</a:t>
+            </a:r>
+          </a:p>
+          <a:p>
+            <a:endParaRPr lang="en-US" dirty="0"/>
+          </a:p>
+          <a:p>
+            <a:r>
+              <a:rPr lang="en-US" dirty="0"/>
+              <a:t>OTA Handlers</a:t>
+            </a:r>
+          </a:p>
+          <a:p>
             <a:endParaRPr lang="en-US" dirty="0"/>
           </a:p>
         </p:txBody>
@@ -14943,7 +15048,518 @@
     </p:spTree>
     <p:extLst>
       <p:ext uri="{BB962C8B-B14F-4D97-AF65-F5344CB8AC3E}">
-        <p14:creationId xmlns:p14="http://schemas.microsoft.com/office/powerpoint/2010/main" val="3098407201"/>
+        <p14:creationId xmlns:p14="http://schemas.microsoft.com/office/powerpoint/2010/main" val="2245557690"/>
+      </p:ext>
+    </p:extLst>
+  </p:cSld>
+  <p:clrMapOvr>
+    <a:masterClrMapping/>
+  </p:clrMapOvr>
+</p:sld>
+</file>
+
+<file path=ppt/slides/slide41.xml><?xml version="1.0" encoding="utf-8"?>
+<p:sld xmlns:a="http://schemas.openxmlformats.org/drawingml/2006/main" xmlns:r="http://schemas.openxmlformats.org/officeDocument/2006/relationships" xmlns:p="http://schemas.openxmlformats.org/presentationml/2006/main">
+  <p:cSld>
+    <p:spTree>
+      <p:nvGrpSpPr>
+        <p:cNvPr id="1" name=""/>
+        <p:cNvGrpSpPr/>
+        <p:nvPr/>
+      </p:nvGrpSpPr>
+      <p:grpSpPr>
+        <a:xfrm>
+          <a:off x="0" y="0"/>
+          <a:ext cx="0" cy="0"/>
+          <a:chOff x="0" y="0"/>
+          <a:chExt cx="0" cy="0"/>
+        </a:xfrm>
+      </p:grpSpPr>
+      <p:sp>
+        <p:nvSpPr>
+          <p:cNvPr id="2" name="Title 1">
+            <a:extLst>
+              <a:ext uri="{FF2B5EF4-FFF2-40B4-BE49-F238E27FC236}">
+                <a16:creationId xmlns:a16="http://schemas.microsoft.com/office/drawing/2014/main" id="{0A1A7AE4-34F3-81D2-4BDF-E892525BC9E7}"/>
+              </a:ext>
+            </a:extLst>
+          </p:cNvPr>
+          <p:cNvSpPr>
+            <a:spLocks noGrp="1"/>
+          </p:cNvSpPr>
+          <p:nvPr>
+            <p:ph type="title"/>
+          </p:nvPr>
+        </p:nvSpPr>
+        <p:spPr>
+          <a:xfrm>
+            <a:off x="838200" y="365126"/>
+            <a:ext cx="10515600" cy="446036"/>
+          </a:xfrm>
+        </p:spPr>
+        <p:txBody>
+          <a:bodyPr>
+            <a:normAutofit fontScale="90000"/>
+          </a:bodyPr>
+          <a:lstStyle/>
+          <a:p>
+            <a:r>
+              <a:rPr lang="en-US" dirty="0"/>
+              <a:t>BLE</a:t>
+            </a:r>
+          </a:p>
+        </p:txBody>
+      </p:sp>
+      <p:sp>
+        <p:nvSpPr>
+          <p:cNvPr id="3" name="Content Placeholder 2">
+            <a:extLst>
+              <a:ext uri="{FF2B5EF4-FFF2-40B4-BE49-F238E27FC236}">
+                <a16:creationId xmlns:a16="http://schemas.microsoft.com/office/drawing/2014/main" id="{DFB12B8E-76D0-C6BD-F5CB-24445E06EB22}"/>
+              </a:ext>
+            </a:extLst>
+          </p:cNvPr>
+          <p:cNvSpPr>
+            <a:spLocks noGrp="1"/>
+          </p:cNvSpPr>
+          <p:nvPr>
+            <p:ph idx="1"/>
+          </p:nvPr>
+        </p:nvSpPr>
+        <p:spPr>
+          <a:xfrm>
+            <a:off x="838200" y="995516"/>
+            <a:ext cx="10515600" cy="5181447"/>
+          </a:xfrm>
+        </p:spPr>
+        <p:txBody>
+          <a:bodyPr/>
+          <a:lstStyle/>
+          <a:p>
+            <a:r>
+              <a:rPr lang="en-US" dirty="0"/>
+              <a:t>Master Node Setup (Provisioner and OTA Server)</a:t>
+            </a:r>
+          </a:p>
+          <a:p>
+            <a:pPr lvl="1"/>
+            <a:r>
+              <a:rPr lang="en-US" dirty="0"/>
+              <a:t>Initialize BLE Mesh and Provisioning</a:t>
+            </a:r>
+          </a:p>
+          <a:p>
+            <a:pPr lvl="1"/>
+            <a:r>
+              <a:rPr lang="en-US" dirty="0"/>
+              <a:t>Implement Automatic Provisioning</a:t>
+            </a:r>
+          </a:p>
+          <a:p>
+            <a:pPr lvl="1"/>
+            <a:r>
+              <a:rPr lang="en-US" dirty="0"/>
+              <a:t>Implement OTA </a:t>
+            </a:r>
+            <a:r>
+              <a:rPr lang="en-US"/>
+              <a:t>Update Functionality</a:t>
+            </a:r>
+            <a:endParaRPr lang="en-US" dirty="0"/>
+          </a:p>
+          <a:p>
+            <a:endParaRPr lang="en-US" dirty="0"/>
+          </a:p>
+          <a:p>
+            <a:pPr lvl="1"/>
+            <a:endParaRPr lang="en-US" dirty="0"/>
+          </a:p>
+        </p:txBody>
+      </p:sp>
+    </p:spTree>
+    <p:extLst>
+      <p:ext uri="{BB962C8B-B14F-4D97-AF65-F5344CB8AC3E}">
+        <p14:creationId xmlns:p14="http://schemas.microsoft.com/office/powerpoint/2010/main" val="2456316785"/>
+      </p:ext>
+    </p:extLst>
+  </p:cSld>
+  <p:clrMapOvr>
+    <a:masterClrMapping/>
+  </p:clrMapOvr>
+</p:sld>
+</file>
+
+<file path=ppt/slides/slide42.xml><?xml version="1.0" encoding="utf-8"?>
+<p:sld xmlns:a="http://schemas.openxmlformats.org/drawingml/2006/main" xmlns:r="http://schemas.openxmlformats.org/officeDocument/2006/relationships" xmlns:p="http://schemas.openxmlformats.org/presentationml/2006/main">
+  <p:cSld>
+    <p:spTree>
+      <p:nvGrpSpPr>
+        <p:cNvPr id="1" name=""/>
+        <p:cNvGrpSpPr/>
+        <p:nvPr/>
+      </p:nvGrpSpPr>
+      <p:grpSpPr>
+        <a:xfrm>
+          <a:off x="0" y="0"/>
+          <a:ext cx="0" cy="0"/>
+          <a:chOff x="0" y="0"/>
+          <a:chExt cx="0" cy="0"/>
+        </a:xfrm>
+      </p:grpSpPr>
+      <p:sp>
+        <p:nvSpPr>
+          <p:cNvPr id="2" name="Title 1">
+            <a:extLst>
+              <a:ext uri="{FF2B5EF4-FFF2-40B4-BE49-F238E27FC236}">
+                <a16:creationId xmlns:a16="http://schemas.microsoft.com/office/drawing/2014/main" id="{0A1A7AE4-34F3-81D2-4BDF-E892525BC9E7}"/>
+              </a:ext>
+            </a:extLst>
+          </p:cNvPr>
+          <p:cNvSpPr>
+            <a:spLocks noGrp="1"/>
+          </p:cNvSpPr>
+          <p:nvPr>
+            <p:ph type="title"/>
+          </p:nvPr>
+        </p:nvSpPr>
+        <p:spPr>
+          <a:xfrm>
+            <a:off x="838200" y="365126"/>
+            <a:ext cx="10515600" cy="446036"/>
+          </a:xfrm>
+        </p:spPr>
+        <p:txBody>
+          <a:bodyPr>
+            <a:normAutofit fontScale="90000"/>
+          </a:bodyPr>
+          <a:lstStyle/>
+          <a:p>
+            <a:r>
+              <a:rPr lang="en-US" dirty="0"/>
+              <a:t>BLE</a:t>
+            </a:r>
+          </a:p>
+        </p:txBody>
+      </p:sp>
+      <p:sp>
+        <p:nvSpPr>
+          <p:cNvPr id="3" name="Content Placeholder 2">
+            <a:extLst>
+              <a:ext uri="{FF2B5EF4-FFF2-40B4-BE49-F238E27FC236}">
+                <a16:creationId xmlns:a16="http://schemas.microsoft.com/office/drawing/2014/main" id="{DFB12B8E-76D0-C6BD-F5CB-24445E06EB22}"/>
+              </a:ext>
+            </a:extLst>
+          </p:cNvPr>
+          <p:cNvSpPr>
+            <a:spLocks noGrp="1"/>
+          </p:cNvSpPr>
+          <p:nvPr>
+            <p:ph idx="1"/>
+          </p:nvPr>
+        </p:nvSpPr>
+        <p:spPr>
+          <a:xfrm>
+            <a:off x="838200" y="995516"/>
+            <a:ext cx="10515600" cy="5181447"/>
+          </a:xfrm>
+        </p:spPr>
+        <p:txBody>
+          <a:bodyPr/>
+          <a:lstStyle/>
+          <a:p>
+            <a:endParaRPr lang="en-US" dirty="0"/>
+          </a:p>
+        </p:txBody>
+      </p:sp>
+    </p:spTree>
+    <p:extLst>
+      <p:ext uri="{BB962C8B-B14F-4D97-AF65-F5344CB8AC3E}">
+        <p14:creationId xmlns:p14="http://schemas.microsoft.com/office/powerpoint/2010/main" val="3925999267"/>
+      </p:ext>
+    </p:extLst>
+  </p:cSld>
+  <p:clrMapOvr>
+    <a:masterClrMapping/>
+  </p:clrMapOvr>
+</p:sld>
+</file>
+
+<file path=ppt/slides/slide43.xml><?xml version="1.0" encoding="utf-8"?>
+<p:sld xmlns:a="http://schemas.openxmlformats.org/drawingml/2006/main" xmlns:r="http://schemas.openxmlformats.org/officeDocument/2006/relationships" xmlns:p="http://schemas.openxmlformats.org/presentationml/2006/main">
+  <p:cSld>
+    <p:spTree>
+      <p:nvGrpSpPr>
+        <p:cNvPr id="1" name=""/>
+        <p:cNvGrpSpPr/>
+        <p:nvPr/>
+      </p:nvGrpSpPr>
+      <p:grpSpPr>
+        <a:xfrm>
+          <a:off x="0" y="0"/>
+          <a:ext cx="0" cy="0"/>
+          <a:chOff x="0" y="0"/>
+          <a:chExt cx="0" cy="0"/>
+        </a:xfrm>
+      </p:grpSpPr>
+      <p:sp>
+        <p:nvSpPr>
+          <p:cNvPr id="2" name="Title 1">
+            <a:extLst>
+              <a:ext uri="{FF2B5EF4-FFF2-40B4-BE49-F238E27FC236}">
+                <a16:creationId xmlns:a16="http://schemas.microsoft.com/office/drawing/2014/main" id="{0A1A7AE4-34F3-81D2-4BDF-E892525BC9E7}"/>
+              </a:ext>
+            </a:extLst>
+          </p:cNvPr>
+          <p:cNvSpPr>
+            <a:spLocks noGrp="1"/>
+          </p:cNvSpPr>
+          <p:nvPr>
+            <p:ph type="title"/>
+          </p:nvPr>
+        </p:nvSpPr>
+        <p:spPr>
+          <a:xfrm>
+            <a:off x="838200" y="365126"/>
+            <a:ext cx="10515600" cy="446036"/>
+          </a:xfrm>
+        </p:spPr>
+        <p:txBody>
+          <a:bodyPr>
+            <a:normAutofit fontScale="90000"/>
+          </a:bodyPr>
+          <a:lstStyle/>
+          <a:p>
+            <a:r>
+              <a:rPr lang="en-US" dirty="0"/>
+              <a:t>BLE</a:t>
+            </a:r>
+          </a:p>
+        </p:txBody>
+      </p:sp>
+      <p:sp>
+        <p:nvSpPr>
+          <p:cNvPr id="3" name="Content Placeholder 2">
+            <a:extLst>
+              <a:ext uri="{FF2B5EF4-FFF2-40B4-BE49-F238E27FC236}">
+                <a16:creationId xmlns:a16="http://schemas.microsoft.com/office/drawing/2014/main" id="{DFB12B8E-76D0-C6BD-F5CB-24445E06EB22}"/>
+              </a:ext>
+            </a:extLst>
+          </p:cNvPr>
+          <p:cNvSpPr>
+            <a:spLocks noGrp="1"/>
+          </p:cNvSpPr>
+          <p:nvPr>
+            <p:ph idx="1"/>
+          </p:nvPr>
+        </p:nvSpPr>
+        <p:spPr>
+          <a:xfrm>
+            <a:off x="838200" y="995516"/>
+            <a:ext cx="10515600" cy="5181447"/>
+          </a:xfrm>
+        </p:spPr>
+        <p:txBody>
+          <a:bodyPr/>
+          <a:lstStyle/>
+          <a:p>
+            <a:endParaRPr lang="en-US" dirty="0"/>
+          </a:p>
+        </p:txBody>
+      </p:sp>
+    </p:spTree>
+    <p:extLst>
+      <p:ext uri="{BB962C8B-B14F-4D97-AF65-F5344CB8AC3E}">
+        <p14:creationId xmlns:p14="http://schemas.microsoft.com/office/powerpoint/2010/main" val="1474888265"/>
+      </p:ext>
+    </p:extLst>
+  </p:cSld>
+  <p:clrMapOvr>
+    <a:masterClrMapping/>
+  </p:clrMapOvr>
+</p:sld>
+</file>
+
+<file path=ppt/slides/slide44.xml><?xml version="1.0" encoding="utf-8"?>
+<p:sld xmlns:a="http://schemas.openxmlformats.org/drawingml/2006/main" xmlns:r="http://schemas.openxmlformats.org/officeDocument/2006/relationships" xmlns:p="http://schemas.openxmlformats.org/presentationml/2006/main">
+  <p:cSld>
+    <p:spTree>
+      <p:nvGrpSpPr>
+        <p:cNvPr id="1" name=""/>
+        <p:cNvGrpSpPr/>
+        <p:nvPr/>
+      </p:nvGrpSpPr>
+      <p:grpSpPr>
+        <a:xfrm>
+          <a:off x="0" y="0"/>
+          <a:ext cx="0" cy="0"/>
+          <a:chOff x="0" y="0"/>
+          <a:chExt cx="0" cy="0"/>
+        </a:xfrm>
+      </p:grpSpPr>
+      <p:sp>
+        <p:nvSpPr>
+          <p:cNvPr id="2" name="Title 1">
+            <a:extLst>
+              <a:ext uri="{FF2B5EF4-FFF2-40B4-BE49-F238E27FC236}">
+                <a16:creationId xmlns:a16="http://schemas.microsoft.com/office/drawing/2014/main" id="{0A1A7AE4-34F3-81D2-4BDF-E892525BC9E7}"/>
+              </a:ext>
+            </a:extLst>
+          </p:cNvPr>
+          <p:cNvSpPr>
+            <a:spLocks noGrp="1"/>
+          </p:cNvSpPr>
+          <p:nvPr>
+            <p:ph type="title"/>
+          </p:nvPr>
+        </p:nvSpPr>
+        <p:spPr>
+          <a:xfrm>
+            <a:off x="838200" y="365126"/>
+            <a:ext cx="10515600" cy="446036"/>
+          </a:xfrm>
+        </p:spPr>
+        <p:txBody>
+          <a:bodyPr>
+            <a:normAutofit fontScale="90000"/>
+          </a:bodyPr>
+          <a:lstStyle/>
+          <a:p>
+            <a:r>
+              <a:rPr lang="en-US" dirty="0"/>
+              <a:t>BLE</a:t>
+            </a:r>
+          </a:p>
+        </p:txBody>
+      </p:sp>
+      <p:sp>
+        <p:nvSpPr>
+          <p:cNvPr id="3" name="Content Placeholder 2">
+            <a:extLst>
+              <a:ext uri="{FF2B5EF4-FFF2-40B4-BE49-F238E27FC236}">
+                <a16:creationId xmlns:a16="http://schemas.microsoft.com/office/drawing/2014/main" id="{DFB12B8E-76D0-C6BD-F5CB-24445E06EB22}"/>
+              </a:ext>
+            </a:extLst>
+          </p:cNvPr>
+          <p:cNvSpPr>
+            <a:spLocks noGrp="1"/>
+          </p:cNvSpPr>
+          <p:nvPr>
+            <p:ph idx="1"/>
+          </p:nvPr>
+        </p:nvSpPr>
+        <p:spPr>
+          <a:xfrm>
+            <a:off x="838200" y="995516"/>
+            <a:ext cx="10515600" cy="5181447"/>
+          </a:xfrm>
+        </p:spPr>
+        <p:txBody>
+          <a:bodyPr/>
+          <a:lstStyle/>
+          <a:p>
+            <a:endParaRPr lang="en-US" dirty="0"/>
+          </a:p>
+        </p:txBody>
+      </p:sp>
+    </p:spTree>
+    <p:extLst>
+      <p:ext uri="{BB962C8B-B14F-4D97-AF65-F5344CB8AC3E}">
+        <p14:creationId xmlns:p14="http://schemas.microsoft.com/office/powerpoint/2010/main" val="2466125259"/>
+      </p:ext>
+    </p:extLst>
+  </p:cSld>
+  <p:clrMapOvr>
+    <a:masterClrMapping/>
+  </p:clrMapOvr>
+</p:sld>
+</file>
+
+<file path=ppt/slides/slide45.xml><?xml version="1.0" encoding="utf-8"?>
+<p:sld xmlns:a="http://schemas.openxmlformats.org/drawingml/2006/main" xmlns:r="http://schemas.openxmlformats.org/officeDocument/2006/relationships" xmlns:p="http://schemas.openxmlformats.org/presentationml/2006/main">
+  <p:cSld>
+    <p:spTree>
+      <p:nvGrpSpPr>
+        <p:cNvPr id="1" name=""/>
+        <p:cNvGrpSpPr/>
+        <p:nvPr/>
+      </p:nvGrpSpPr>
+      <p:grpSpPr>
+        <a:xfrm>
+          <a:off x="0" y="0"/>
+          <a:ext cx="0" cy="0"/>
+          <a:chOff x="0" y="0"/>
+          <a:chExt cx="0" cy="0"/>
+        </a:xfrm>
+      </p:grpSpPr>
+      <p:sp>
+        <p:nvSpPr>
+          <p:cNvPr id="2" name="Title 1">
+            <a:extLst>
+              <a:ext uri="{FF2B5EF4-FFF2-40B4-BE49-F238E27FC236}">
+                <a16:creationId xmlns:a16="http://schemas.microsoft.com/office/drawing/2014/main" id="{0A1A7AE4-34F3-81D2-4BDF-E892525BC9E7}"/>
+              </a:ext>
+            </a:extLst>
+          </p:cNvPr>
+          <p:cNvSpPr>
+            <a:spLocks noGrp="1"/>
+          </p:cNvSpPr>
+          <p:nvPr>
+            <p:ph type="title"/>
+          </p:nvPr>
+        </p:nvSpPr>
+        <p:spPr>
+          <a:xfrm>
+            <a:off x="838200" y="365126"/>
+            <a:ext cx="10515600" cy="446036"/>
+          </a:xfrm>
+        </p:spPr>
+        <p:txBody>
+          <a:bodyPr>
+            <a:normAutofit fontScale="90000"/>
+          </a:bodyPr>
+          <a:lstStyle/>
+          <a:p>
+            <a:r>
+              <a:rPr lang="en-US" dirty="0"/>
+              <a:t>BLE</a:t>
+            </a:r>
+          </a:p>
+        </p:txBody>
+      </p:sp>
+      <p:sp>
+        <p:nvSpPr>
+          <p:cNvPr id="3" name="Content Placeholder 2">
+            <a:extLst>
+              <a:ext uri="{FF2B5EF4-FFF2-40B4-BE49-F238E27FC236}">
+                <a16:creationId xmlns:a16="http://schemas.microsoft.com/office/drawing/2014/main" id="{DFB12B8E-76D0-C6BD-F5CB-24445E06EB22}"/>
+              </a:ext>
+            </a:extLst>
+          </p:cNvPr>
+          <p:cNvSpPr>
+            <a:spLocks noGrp="1"/>
+          </p:cNvSpPr>
+          <p:nvPr>
+            <p:ph idx="1"/>
+          </p:nvPr>
+        </p:nvSpPr>
+        <p:spPr>
+          <a:xfrm>
+            <a:off x="838200" y="995516"/>
+            <a:ext cx="10515600" cy="5181447"/>
+          </a:xfrm>
+        </p:spPr>
+        <p:txBody>
+          <a:bodyPr/>
+          <a:lstStyle/>
+          <a:p>
+            <a:endParaRPr lang="en-US" dirty="0"/>
+          </a:p>
+        </p:txBody>
+      </p:sp>
+    </p:spTree>
+    <p:extLst>
+      <p:ext uri="{BB962C8B-B14F-4D97-AF65-F5344CB8AC3E}">
+        <p14:creationId xmlns:p14="http://schemas.microsoft.com/office/powerpoint/2010/main" val="3370135905"/>
       </p:ext>
     </p:extLst>
   </p:cSld>

--- a/Paper Notes/Decentralized TinyML.pptx
+++ b/Paper Notes/Decentralized TinyML.pptx
@@ -549,7 +549,7 @@
           <a:p>
             <a:fld id="{AAD3F962-2BBB-E94D-8C3E-BBFCC873C910}" type="datetimeFigureOut">
               <a:rPr lang="en-US" smtClean="0"/>
-              <a:t>6/16/2024</a:t>
+              <a:t>6/17/2024</a:t>
             </a:fld>
             <a:endParaRPr lang="en-US"/>
           </a:p>
@@ -3726,7 +3726,7 @@
           <a:p>
             <a:fld id="{378873E4-3B62-4C03-AC2E-F1BC5ACD71BB}" type="datetimeFigureOut">
               <a:rPr lang="en-US" smtClean="0"/>
-              <a:t>6/16/2024</a:t>
+              <a:t>6/17/2024</a:t>
             </a:fld>
             <a:endParaRPr lang="en-US"/>
           </a:p>
@@ -3924,7 +3924,7 @@
           <a:p>
             <a:fld id="{378873E4-3B62-4C03-AC2E-F1BC5ACD71BB}" type="datetimeFigureOut">
               <a:rPr lang="en-US" smtClean="0"/>
-              <a:t>6/16/2024</a:t>
+              <a:t>6/17/2024</a:t>
             </a:fld>
             <a:endParaRPr lang="en-US"/>
           </a:p>
@@ -4132,7 +4132,7 @@
           <a:p>
             <a:fld id="{378873E4-3B62-4C03-AC2E-F1BC5ACD71BB}" type="datetimeFigureOut">
               <a:rPr lang="en-US" smtClean="0"/>
-              <a:t>6/16/2024</a:t>
+              <a:t>6/17/2024</a:t>
             </a:fld>
             <a:endParaRPr lang="en-US"/>
           </a:p>
@@ -4330,7 +4330,7 @@
           <a:p>
             <a:fld id="{378873E4-3B62-4C03-AC2E-F1BC5ACD71BB}" type="datetimeFigureOut">
               <a:rPr lang="en-US" smtClean="0"/>
-              <a:t>6/16/2024</a:t>
+              <a:t>6/17/2024</a:t>
             </a:fld>
             <a:endParaRPr lang="en-US"/>
           </a:p>
@@ -4605,7 +4605,7 @@
           <a:p>
             <a:fld id="{378873E4-3B62-4C03-AC2E-F1BC5ACD71BB}" type="datetimeFigureOut">
               <a:rPr lang="en-US" smtClean="0"/>
-              <a:t>6/16/2024</a:t>
+              <a:t>6/17/2024</a:t>
             </a:fld>
             <a:endParaRPr lang="en-US"/>
           </a:p>
@@ -4870,7 +4870,7 @@
           <a:p>
             <a:fld id="{378873E4-3B62-4C03-AC2E-F1BC5ACD71BB}" type="datetimeFigureOut">
               <a:rPr lang="en-US" smtClean="0"/>
-              <a:t>6/16/2024</a:t>
+              <a:t>6/17/2024</a:t>
             </a:fld>
             <a:endParaRPr lang="en-US"/>
           </a:p>
@@ -5282,7 +5282,7 @@
           <a:p>
             <a:fld id="{378873E4-3B62-4C03-AC2E-F1BC5ACD71BB}" type="datetimeFigureOut">
               <a:rPr lang="en-US" smtClean="0"/>
-              <a:t>6/16/2024</a:t>
+              <a:t>6/17/2024</a:t>
             </a:fld>
             <a:endParaRPr lang="en-US"/>
           </a:p>
@@ -5423,7 +5423,7 @@
           <a:p>
             <a:fld id="{378873E4-3B62-4C03-AC2E-F1BC5ACD71BB}" type="datetimeFigureOut">
               <a:rPr lang="en-US" smtClean="0"/>
-              <a:t>6/16/2024</a:t>
+              <a:t>6/17/2024</a:t>
             </a:fld>
             <a:endParaRPr lang="en-US"/>
           </a:p>
@@ -5536,7 +5536,7 @@
           <a:p>
             <a:fld id="{378873E4-3B62-4C03-AC2E-F1BC5ACD71BB}" type="datetimeFigureOut">
               <a:rPr lang="en-US" smtClean="0"/>
-              <a:t>6/16/2024</a:t>
+              <a:t>6/17/2024</a:t>
             </a:fld>
             <a:endParaRPr lang="en-US"/>
           </a:p>
@@ -5847,7 +5847,7 @@
           <a:p>
             <a:fld id="{378873E4-3B62-4C03-AC2E-F1BC5ACD71BB}" type="datetimeFigureOut">
               <a:rPr lang="en-US" smtClean="0"/>
-              <a:t>6/16/2024</a:t>
+              <a:t>6/17/2024</a:t>
             </a:fld>
             <a:endParaRPr lang="en-US"/>
           </a:p>
@@ -6135,7 +6135,7 @@
           <a:p>
             <a:fld id="{378873E4-3B62-4C03-AC2E-F1BC5ACD71BB}" type="datetimeFigureOut">
               <a:rPr lang="en-US" smtClean="0"/>
-              <a:t>6/16/2024</a:t>
+              <a:t>6/17/2024</a:t>
             </a:fld>
             <a:endParaRPr lang="en-US"/>
           </a:p>
@@ -6376,7 +6376,7 @@
           <a:p>
             <a:fld id="{378873E4-3B62-4C03-AC2E-F1BC5ACD71BB}" type="datetimeFigureOut">
               <a:rPr lang="en-US" smtClean="0"/>
-              <a:t>6/16/2024</a:t>
+              <a:t>6/17/2024</a:t>
             </a:fld>
             <a:endParaRPr lang="en-US"/>
           </a:p>
@@ -15267,6 +15267,14 @@
           <a:bodyPr/>
           <a:lstStyle/>
           <a:p>
+            <a:r>
+              <a:rPr lang="en-US"/>
+              <a:t>P</a:t>
+            </a:r>
+            <a:r>
+              <a:rPr lang="en-US" altLang="zh-CN"/>
+              <a:t>re-configure each node</a:t>
+            </a:r>
             <a:endParaRPr lang="en-US" dirty="0"/>
           </a:p>
         </p:txBody>

--- a/Paper Notes/Decentralized TinyML.pptx
+++ b/Paper Notes/Decentralized TinyML.pptx
@@ -549,7 +549,7 @@
           <a:p>
             <a:fld id="{AAD3F962-2BBB-E94D-8C3E-BBFCC873C910}" type="datetimeFigureOut">
               <a:rPr lang="en-US" smtClean="0"/>
-              <a:t>6/17/2024</a:t>
+              <a:t>6/19/2024</a:t>
             </a:fld>
             <a:endParaRPr lang="en-US"/>
           </a:p>
@@ -3726,7 +3726,7 @@
           <a:p>
             <a:fld id="{378873E4-3B62-4C03-AC2E-F1BC5ACD71BB}" type="datetimeFigureOut">
               <a:rPr lang="en-US" smtClean="0"/>
-              <a:t>6/17/2024</a:t>
+              <a:t>6/19/2024</a:t>
             </a:fld>
             <a:endParaRPr lang="en-US"/>
           </a:p>
@@ -3924,7 +3924,7 @@
           <a:p>
             <a:fld id="{378873E4-3B62-4C03-AC2E-F1BC5ACD71BB}" type="datetimeFigureOut">
               <a:rPr lang="en-US" smtClean="0"/>
-              <a:t>6/17/2024</a:t>
+              <a:t>6/19/2024</a:t>
             </a:fld>
             <a:endParaRPr lang="en-US"/>
           </a:p>
@@ -4132,7 +4132,7 @@
           <a:p>
             <a:fld id="{378873E4-3B62-4C03-AC2E-F1BC5ACD71BB}" type="datetimeFigureOut">
               <a:rPr lang="en-US" smtClean="0"/>
-              <a:t>6/17/2024</a:t>
+              <a:t>6/19/2024</a:t>
             </a:fld>
             <a:endParaRPr lang="en-US"/>
           </a:p>
@@ -4330,7 +4330,7 @@
           <a:p>
             <a:fld id="{378873E4-3B62-4C03-AC2E-F1BC5ACD71BB}" type="datetimeFigureOut">
               <a:rPr lang="en-US" smtClean="0"/>
-              <a:t>6/17/2024</a:t>
+              <a:t>6/19/2024</a:t>
             </a:fld>
             <a:endParaRPr lang="en-US"/>
           </a:p>
@@ -4605,7 +4605,7 @@
           <a:p>
             <a:fld id="{378873E4-3B62-4C03-AC2E-F1BC5ACD71BB}" type="datetimeFigureOut">
               <a:rPr lang="en-US" smtClean="0"/>
-              <a:t>6/17/2024</a:t>
+              <a:t>6/19/2024</a:t>
             </a:fld>
             <a:endParaRPr lang="en-US"/>
           </a:p>
@@ -4870,7 +4870,7 @@
           <a:p>
             <a:fld id="{378873E4-3B62-4C03-AC2E-F1BC5ACD71BB}" type="datetimeFigureOut">
               <a:rPr lang="en-US" smtClean="0"/>
-              <a:t>6/17/2024</a:t>
+              <a:t>6/19/2024</a:t>
             </a:fld>
             <a:endParaRPr lang="en-US"/>
           </a:p>
@@ -5282,7 +5282,7 @@
           <a:p>
             <a:fld id="{378873E4-3B62-4C03-AC2E-F1BC5ACD71BB}" type="datetimeFigureOut">
               <a:rPr lang="en-US" smtClean="0"/>
-              <a:t>6/17/2024</a:t>
+              <a:t>6/19/2024</a:t>
             </a:fld>
             <a:endParaRPr lang="en-US"/>
           </a:p>
@@ -5423,7 +5423,7 @@
           <a:p>
             <a:fld id="{378873E4-3B62-4C03-AC2E-F1BC5ACD71BB}" type="datetimeFigureOut">
               <a:rPr lang="en-US" smtClean="0"/>
-              <a:t>6/17/2024</a:t>
+              <a:t>6/19/2024</a:t>
             </a:fld>
             <a:endParaRPr lang="en-US"/>
           </a:p>
@@ -5536,7 +5536,7 @@
           <a:p>
             <a:fld id="{378873E4-3B62-4C03-AC2E-F1BC5ACD71BB}" type="datetimeFigureOut">
               <a:rPr lang="en-US" smtClean="0"/>
-              <a:t>6/17/2024</a:t>
+              <a:t>6/19/2024</a:t>
             </a:fld>
             <a:endParaRPr lang="en-US"/>
           </a:p>
@@ -5847,7 +5847,7 @@
           <a:p>
             <a:fld id="{378873E4-3B62-4C03-AC2E-F1BC5ACD71BB}" type="datetimeFigureOut">
               <a:rPr lang="en-US" smtClean="0"/>
-              <a:t>6/17/2024</a:t>
+              <a:t>6/19/2024</a:t>
             </a:fld>
             <a:endParaRPr lang="en-US"/>
           </a:p>
@@ -6135,7 +6135,7 @@
           <a:p>
             <a:fld id="{378873E4-3B62-4C03-AC2E-F1BC5ACD71BB}" type="datetimeFigureOut">
               <a:rPr lang="en-US" smtClean="0"/>
-              <a:t>6/17/2024</a:t>
+              <a:t>6/19/2024</a:t>
             </a:fld>
             <a:endParaRPr lang="en-US"/>
           </a:p>
@@ -6376,7 +6376,7 @@
           <a:p>
             <a:fld id="{378873E4-3B62-4C03-AC2E-F1BC5ACD71BB}" type="datetimeFigureOut">
               <a:rPr lang="en-US" smtClean="0"/>
-              <a:t>6/17/2024</a:t>
+              <a:t>6/19/2024</a:t>
             </a:fld>
             <a:endParaRPr lang="en-US"/>
           </a:p>
@@ -15529,8 +15529,13 @@
           <a:p>
             <a:r>
               <a:rPr lang="en-US" dirty="0"/>
-              <a:t>BLE</a:t>
-            </a:r>
+              <a:t>BLE A</a:t>
+            </a:r>
+            <a:r>
+              <a:rPr lang="en-US" altLang="zh-CN" dirty="0"/>
+              <a:t>dvertising Info</a:t>
+            </a:r>
+            <a:endParaRPr lang="en-US" dirty="0"/>
           </a:p>
         </p:txBody>
       </p:sp>
@@ -15560,10 +15565,43 @@
           <a:bodyPr/>
           <a:lstStyle/>
           <a:p>
-            <a:endParaRPr lang="en-US" dirty="0"/>
-          </a:p>
-        </p:txBody>
-      </p:sp>
+            <a:r>
+              <a:rPr lang="en-US" dirty="0"/>
+              <a:t>Advertising Packet</a:t>
+            </a:r>
+          </a:p>
+        </p:txBody>
+      </p:sp>
+      <p:pic>
+        <p:nvPicPr>
+          <p:cNvPr id="7" name="Picture 6">
+            <a:extLst>
+              <a:ext uri="{FF2B5EF4-FFF2-40B4-BE49-F238E27FC236}">
+                <a16:creationId xmlns:a16="http://schemas.microsoft.com/office/drawing/2014/main" id="{6D037CFD-45A6-BAE0-AC7C-7FF1E10DC5C3}"/>
+              </a:ext>
+            </a:extLst>
+          </p:cNvPr>
+          <p:cNvPicPr>
+            <a:picLocks noChangeAspect="1"/>
+          </p:cNvPicPr>
+          <p:nvPr/>
+        </p:nvPicPr>
+        <p:blipFill>
+          <a:blip r:embed="rId2"/>
+          <a:stretch>
+            <a:fillRect/>
+          </a:stretch>
+        </p:blipFill>
+        <p:spPr>
+          <a:xfrm>
+            <a:off x="3421148" y="1971546"/>
+            <a:ext cx="6486525" cy="2124075"/>
+          </a:xfrm>
+          <a:prstGeom prst="rect">
+            <a:avLst/>
+          </a:prstGeom>
+        </p:spPr>
+      </p:pic>
     </p:spTree>
     <p:extLst>
       <p:ext uri="{BB962C8B-B14F-4D97-AF65-F5344CB8AC3E}">
